--- a/4th SEM/Mini Project/Poster_JARVIS.pptx
+++ b/4th SEM/Mini Project/Poster_JARVIS.pptx
@@ -4008,7 +4008,7 @@
         <p:spPr bwMode="auto">
           <a:xfrm>
             <a:off x="246063" y="1881188"/>
-            <a:ext cx="14630400" cy="2286000"/>
+            <a:ext cx="14630400" cy="1988629"/>
           </a:xfrm>
           <a:prstGeom prst="roundRect">
             <a:avLst>
@@ -4595,8 +4595,8 @@
         </p:nvSpPr>
         <p:spPr bwMode="auto">
           <a:xfrm>
-            <a:off x="246063" y="4439506"/>
-            <a:ext cx="7086600" cy="3606106"/>
+            <a:off x="246063" y="4054285"/>
+            <a:ext cx="6811937" cy="3606106"/>
           </a:xfrm>
           <a:prstGeom prst="roundRect">
             <a:avLst>
@@ -5145,8 +5145,8 @@
         </p:nvSpPr>
         <p:spPr bwMode="auto">
           <a:xfrm>
-            <a:off x="246063" y="8290942"/>
-            <a:ext cx="7086600" cy="12918058"/>
+            <a:off x="246063" y="7844859"/>
+            <a:ext cx="6811937" cy="13364141"/>
           </a:xfrm>
           <a:prstGeom prst="roundRect">
             <a:avLst>
@@ -5594,7 +5594,7 @@
                 <a:latin typeface="Bookman Old Style" panose="02050604050505020204" pitchFamily="18" charset="0"/>
                 <a:cs typeface="Times New Roman" panose="02020603050405020304" pitchFamily="18" charset="0"/>
               </a:rPr>
-              <a:t>The JARVIS project addresses the need for a versatile virtual assistant with enhanced language processing and OS integration, aiming to simplify user-device interaction and improve overall user experience.</a:t>
+              <a:t>The JARVIS project meets the demand for a versatile virtual assistant by incorporating advanced language processing capabilities and seamless integration with the operating system. This integration is designed to streamline user-device interaction, making it more intuitive and efficient. The project's ultimate goal is to enhance the overall user experience by providing a comprehensive and user-friendly virtual assistant solution.</a:t>
             </a:r>
           </a:p>
           <a:p>
@@ -5620,7 +5620,7 @@
                 <a:latin typeface="Bookman Old Style" panose="02050604050505020204" pitchFamily="18" charset="0"/>
                 <a:cs typeface="Times New Roman" panose="02020603050405020304" pitchFamily="18" charset="0"/>
               </a:rPr>
-              <a:t>Objective(s)</a:t>
+              <a:t>Objectives</a:t>
             </a:r>
           </a:p>
           <a:p>
@@ -5808,7 +5808,7 @@
             </a:r>
           </a:p>
           <a:p>
-            <a:pPr algn="just" eaLnBrk="1" hangingPunct="1">
+            <a:pPr marL="285750" indent="-285750" algn="just" eaLnBrk="1" hangingPunct="1">
               <a:lnSpc>
                 <a:spcPct val="125000"/>
               </a:lnSpc>
@@ -5817,7 +5817,7 @@
               </a:spcBef>
               <a:buClrTx/>
               <a:buFontTx/>
-              <a:buNone/>
+              <a:buChar char="-"/>
             </a:pPr>
             <a:r>
               <a:rPr lang="en-US" altLang="en-US" sz="1600" dirty="0">
@@ -5827,7 +5827,65 @@
                 <a:latin typeface="Bookman Old Style" panose="02050604050505020204" pitchFamily="18" charset="0"/>
                 <a:cs typeface="Times New Roman" panose="02020603050405020304" pitchFamily="18" charset="0"/>
               </a:rPr>
-              <a:t>The project integrates an API for up-to-date information and a WhatsApp feature for messaging and calls, expanding the virtual assistant's utility beyond basic commands. This enhances adaptability to external data sources and various communication channels, showcasing its versatility and value in assisting users with diverse tasks and communication needs.</a:t>
+              <a:t>Integrated API for real-time information updates.</a:t>
+            </a:r>
+          </a:p>
+          <a:p>
+            <a:pPr marL="285750" indent="-285750" algn="just" eaLnBrk="1" hangingPunct="1">
+              <a:lnSpc>
+                <a:spcPct val="125000"/>
+              </a:lnSpc>
+              <a:spcBef>
+                <a:spcPct val="0"/>
+              </a:spcBef>
+              <a:buClrTx/>
+              <a:buFontTx/>
+              <a:buChar char="-"/>
+            </a:pPr>
+            <a:r>
+              <a:rPr lang="en-US" altLang="en-US" sz="1600" dirty="0">
+                <a:solidFill>
+                  <a:srgbClr val="0D0D0D"/>
+                </a:solidFill>
+                <a:latin typeface="Bookman Old Style" panose="02050604050505020204" pitchFamily="18" charset="0"/>
+                <a:cs typeface="Times New Roman" panose="02020603050405020304" pitchFamily="18" charset="0"/>
+              </a:rPr>
+              <a:t>Added WhatsApp feature for messaging </a:t>
+            </a:r>
+            <a:r>
+              <a:rPr lang="en-US" sz="1600" dirty="0">
+                <a:latin typeface="Bookman Old Style" panose="02050604050505020204" pitchFamily="18" charset="0"/>
+              </a:rPr>
+              <a:t>broadening the virtual assistant's functionality to include communication tasks, thus enhancing its utility and user engagement</a:t>
+            </a:r>
+            <a:r>
+              <a:rPr lang="en-US" altLang="en-US" sz="1600" dirty="0">
+                <a:solidFill>
+                  <a:srgbClr val="0D0D0D"/>
+                </a:solidFill>
+                <a:latin typeface="Bookman Old Style" panose="02050604050505020204" pitchFamily="18" charset="0"/>
+                <a:cs typeface="Times New Roman" panose="02020603050405020304" pitchFamily="18" charset="0"/>
+              </a:rPr>
+              <a:t>.</a:t>
+            </a:r>
+          </a:p>
+          <a:p>
+            <a:pPr marL="285750" indent="-285750" algn="just" eaLnBrk="1" hangingPunct="1">
+              <a:lnSpc>
+                <a:spcPct val="125000"/>
+              </a:lnSpc>
+              <a:spcBef>
+                <a:spcPct val="0"/>
+              </a:spcBef>
+              <a:buClrTx/>
+              <a:buFontTx/>
+              <a:buChar char="-"/>
+            </a:pPr>
+            <a:r>
+              <a:rPr lang="en-US" sz="1600" dirty="0">
+                <a:latin typeface="Bookman Old Style" panose="02050604050505020204" pitchFamily="18" charset="0"/>
+              </a:rPr>
+              <a:t>Added OS features for performing system tasks.</a:t>
             </a:r>
           </a:p>
           <a:p>
@@ -5917,8 +5975,8 @@
         </p:nvSpPr>
         <p:spPr bwMode="auto">
           <a:xfrm>
-            <a:off x="7589838" y="4421188"/>
-            <a:ext cx="7286625" cy="16814800"/>
+            <a:off x="7274023" y="4054284"/>
+            <a:ext cx="7602440" cy="17154715"/>
           </a:xfrm>
           <a:prstGeom prst="roundRect">
             <a:avLst>
@@ -6347,7 +6405,384 @@
             </a:r>
           </a:p>
           <a:p>
-            <a:endParaRPr lang="en-US" sz="1600" dirty="0">
+            <a:r>
+              <a:rPr lang="en-US" sz="1600" b="1" dirty="0">
+                <a:latin typeface="Bookman Old Style" panose="02050604050505020204" pitchFamily="18" charset="0"/>
+                <a:cs typeface="Times New Roman" panose="02020603050405020304" pitchFamily="18" charset="0"/>
+              </a:rPr>
+              <a:t>1. Initialize: </a:t>
+            </a:r>
+            <a:r>
+              <a:rPr lang="en-US" sz="1600" dirty="0">
+                <a:latin typeface="Bookman Old Style" panose="02050604050505020204" pitchFamily="18" charset="0"/>
+                <a:cs typeface="Times New Roman" panose="02020603050405020304" pitchFamily="18" charset="0"/>
+              </a:rPr>
+              <a:t>Initialize the virtual assistant system.</a:t>
+            </a:r>
+          </a:p>
+          <a:p>
+            <a:r>
+              <a:rPr lang="en-US" sz="1600" b="1" dirty="0">
+                <a:latin typeface="Bookman Old Style" panose="02050604050505020204" pitchFamily="18" charset="0"/>
+                <a:cs typeface="Times New Roman" panose="02020603050405020304" pitchFamily="18" charset="0"/>
+              </a:rPr>
+              <a:t>2. Voice Input Processing:</a:t>
+            </a:r>
+          </a:p>
+          <a:p>
+            <a:r>
+              <a:rPr lang="en-US" sz="1600" dirty="0">
+                <a:latin typeface="Bookman Old Style" panose="02050604050505020204" pitchFamily="18" charset="0"/>
+                <a:cs typeface="Times New Roman" panose="02020603050405020304" pitchFamily="18" charset="0"/>
+              </a:rPr>
+              <a:t>   - Utilize Natural Language Processing (NLP) for voice recognition.</a:t>
+            </a:r>
+          </a:p>
+          <a:p>
+            <a:r>
+              <a:rPr lang="en-US" sz="1600" dirty="0">
+                <a:latin typeface="Bookman Old Style" panose="02050604050505020204" pitchFamily="18" charset="0"/>
+                <a:cs typeface="Times New Roman" panose="02020603050405020304" pitchFamily="18" charset="0"/>
+              </a:rPr>
+              <a:t>   - Process voice commands for execution.</a:t>
+            </a:r>
+          </a:p>
+          <a:p>
+            <a:r>
+              <a:rPr lang="en-US" sz="1600" b="1" dirty="0">
+                <a:latin typeface="Bookman Old Style" panose="02050604050505020204" pitchFamily="18" charset="0"/>
+                <a:cs typeface="Times New Roman" panose="02020603050405020304" pitchFamily="18" charset="0"/>
+              </a:rPr>
+              <a:t>3. Integration with Operating System:</a:t>
+            </a:r>
+          </a:p>
+          <a:p>
+            <a:r>
+              <a:rPr lang="en-US" sz="1600" dirty="0">
+                <a:latin typeface="Bookman Old Style" panose="02050604050505020204" pitchFamily="18" charset="0"/>
+                <a:cs typeface="Times New Roman" panose="02020603050405020304" pitchFamily="18" charset="0"/>
+              </a:rPr>
+              <a:t>   - Integrate with the OS for seamless interaction.</a:t>
+            </a:r>
+          </a:p>
+          <a:p>
+            <a:r>
+              <a:rPr lang="en-US" sz="1600" dirty="0">
+                <a:latin typeface="Bookman Old Style" panose="02050604050505020204" pitchFamily="18" charset="0"/>
+                <a:cs typeface="Times New Roman" panose="02020603050405020304" pitchFamily="18" charset="0"/>
+              </a:rPr>
+              <a:t>   - Enable the assistant to perform system-level tasks.</a:t>
+            </a:r>
+          </a:p>
+          <a:p>
+            <a:r>
+              <a:rPr lang="en-US" sz="1600" b="1" dirty="0">
+                <a:latin typeface="Bookman Old Style" panose="02050604050505020204" pitchFamily="18" charset="0"/>
+                <a:cs typeface="Times New Roman" panose="02020603050405020304" pitchFamily="18" charset="0"/>
+              </a:rPr>
+              <a:t>4. API Integration and Assumption:</a:t>
+            </a:r>
+          </a:p>
+          <a:p>
+            <a:r>
+              <a:rPr lang="en-US" sz="1600" dirty="0">
+                <a:latin typeface="Bookman Old Style" panose="02050604050505020204" pitchFamily="18" charset="0"/>
+                <a:cs typeface="Times New Roman" panose="02020603050405020304" pitchFamily="18" charset="0"/>
+              </a:rPr>
+              <a:t>   - Incorporate APIs for fetching information from external sources.</a:t>
+            </a:r>
+          </a:p>
+          <a:p>
+            <a:r>
+              <a:rPr lang="en-US" sz="1600" dirty="0">
+                <a:latin typeface="Bookman Old Style" panose="02050604050505020204" pitchFamily="18" charset="0"/>
+                <a:cs typeface="Times New Roman" panose="02020603050405020304" pitchFamily="18" charset="0"/>
+              </a:rPr>
+              <a:t>   - Assume reliable internet connectivity and sufficient processing power.</a:t>
+            </a:r>
+          </a:p>
+          <a:p>
+            <a:pPr algn="ctr" eaLnBrk="1" hangingPunct="1">
+              <a:lnSpc>
+                <a:spcPct val="150000"/>
+              </a:lnSpc>
+              <a:spcBef>
+                <a:spcPts val="1200"/>
+              </a:spcBef>
+              <a:spcAft>
+                <a:spcPts val="1200"/>
+              </a:spcAft>
+              <a:buClrTx/>
+              <a:buFontTx/>
+              <a:buNone/>
+            </a:pPr>
+            <a:r>
+              <a:rPr lang="en-US" altLang="en-US" sz="2000" b="1" dirty="0">
+                <a:solidFill>
+                  <a:srgbClr val="0D0D0D"/>
+                </a:solidFill>
+                <a:latin typeface="Bookman Old Style" panose="02050604050505020204" pitchFamily="18" charset="0"/>
+                <a:cs typeface="Times New Roman" panose="02020603050405020304" pitchFamily="18" charset="0"/>
+              </a:rPr>
+              <a:t>Results</a:t>
+            </a:r>
+          </a:p>
+          <a:p>
+            <a:pPr eaLnBrk="1" hangingPunct="1">
+              <a:lnSpc>
+                <a:spcPct val="150000"/>
+              </a:lnSpc>
+              <a:spcBef>
+                <a:spcPts val="1200"/>
+              </a:spcBef>
+              <a:spcAft>
+                <a:spcPts val="1200"/>
+              </a:spcAft>
+              <a:buClrTx/>
+              <a:buFontTx/>
+              <a:buNone/>
+            </a:pPr>
+            <a:r>
+              <a:rPr lang="en-US" sz="1600" dirty="0">
+                <a:latin typeface="Bookman Old Style" panose="02050604050505020204" pitchFamily="18" charset="0"/>
+                <a:cs typeface="Times New Roman" panose="02020603050405020304" pitchFamily="18" charset="0"/>
+              </a:rPr>
+              <a:t>The project highlights a versatile virtual assistant with voice recognition, system interaction, API integration, and more.</a:t>
+            </a:r>
+            <a:endParaRPr lang="en-US" altLang="en-US" sz="100" b="1" dirty="0">
+              <a:solidFill>
+                <a:srgbClr val="0D0D0D"/>
+              </a:solidFill>
+              <a:latin typeface="Bookman Old Style" panose="02050604050505020204" pitchFamily="18" charset="0"/>
+              <a:cs typeface="Times New Roman" panose="02020603050405020304" pitchFamily="18" charset="0"/>
+            </a:endParaRPr>
+          </a:p>
+          <a:p>
+            <a:pPr algn="ctr" eaLnBrk="1" hangingPunct="1">
+              <a:lnSpc>
+                <a:spcPct val="150000"/>
+              </a:lnSpc>
+              <a:spcBef>
+                <a:spcPts val="1200"/>
+              </a:spcBef>
+              <a:spcAft>
+                <a:spcPts val="1200"/>
+              </a:spcAft>
+              <a:buClrTx/>
+              <a:buFontTx/>
+              <a:buNone/>
+            </a:pPr>
+            <a:endParaRPr lang="en-US" altLang="en-US" sz="100" b="1" dirty="0">
+              <a:solidFill>
+                <a:srgbClr val="0D0D0D"/>
+              </a:solidFill>
+              <a:latin typeface="Bookman Old Style" panose="02050604050505020204" pitchFamily="18" charset="0"/>
+              <a:cs typeface="Times New Roman" panose="02020603050405020304" pitchFamily="18" charset="0"/>
+            </a:endParaRPr>
+          </a:p>
+          <a:p>
+            <a:pPr algn="ctr" eaLnBrk="1" hangingPunct="1">
+              <a:lnSpc>
+                <a:spcPct val="150000"/>
+              </a:lnSpc>
+              <a:spcBef>
+                <a:spcPts val="1200"/>
+              </a:spcBef>
+              <a:spcAft>
+                <a:spcPts val="1200"/>
+              </a:spcAft>
+              <a:buClrTx/>
+              <a:buFontTx/>
+              <a:buNone/>
+            </a:pPr>
+            <a:endParaRPr lang="en-US" altLang="en-US" sz="100" b="1" dirty="0">
+              <a:solidFill>
+                <a:srgbClr val="0D0D0D"/>
+              </a:solidFill>
+              <a:latin typeface="Bookman Old Style" panose="02050604050505020204" pitchFamily="18" charset="0"/>
+              <a:cs typeface="Times New Roman" panose="02020603050405020304" pitchFamily="18" charset="0"/>
+            </a:endParaRPr>
+          </a:p>
+          <a:p>
+            <a:pPr algn="ctr" eaLnBrk="1" hangingPunct="1">
+              <a:lnSpc>
+                <a:spcPct val="150000"/>
+              </a:lnSpc>
+              <a:spcBef>
+                <a:spcPts val="1200"/>
+              </a:spcBef>
+              <a:spcAft>
+                <a:spcPts val="1200"/>
+              </a:spcAft>
+              <a:buClrTx/>
+              <a:buFontTx/>
+              <a:buNone/>
+            </a:pPr>
+            <a:endParaRPr lang="en-US" altLang="en-US" sz="100" b="1" dirty="0">
+              <a:solidFill>
+                <a:srgbClr val="0D0D0D"/>
+              </a:solidFill>
+              <a:latin typeface="Bookman Old Style" panose="02050604050505020204" pitchFamily="18" charset="0"/>
+              <a:cs typeface="Times New Roman" panose="02020603050405020304" pitchFamily="18" charset="0"/>
+            </a:endParaRPr>
+          </a:p>
+          <a:p>
+            <a:pPr algn="ctr" eaLnBrk="1" hangingPunct="1">
+              <a:lnSpc>
+                <a:spcPct val="150000"/>
+              </a:lnSpc>
+              <a:spcBef>
+                <a:spcPts val="1200"/>
+              </a:spcBef>
+              <a:spcAft>
+                <a:spcPts val="1200"/>
+              </a:spcAft>
+              <a:buClrTx/>
+              <a:buFontTx/>
+              <a:buNone/>
+            </a:pPr>
+            <a:endParaRPr lang="en-US" altLang="en-US" sz="100" b="1" dirty="0">
+              <a:solidFill>
+                <a:srgbClr val="0D0D0D"/>
+              </a:solidFill>
+              <a:latin typeface="Bookman Old Style" panose="02050604050505020204" pitchFamily="18" charset="0"/>
+              <a:cs typeface="Times New Roman" panose="02020603050405020304" pitchFamily="18" charset="0"/>
+            </a:endParaRPr>
+          </a:p>
+          <a:p>
+            <a:pPr algn="ctr" eaLnBrk="1" hangingPunct="1">
+              <a:lnSpc>
+                <a:spcPct val="150000"/>
+              </a:lnSpc>
+              <a:spcBef>
+                <a:spcPts val="1200"/>
+              </a:spcBef>
+              <a:spcAft>
+                <a:spcPts val="1200"/>
+              </a:spcAft>
+              <a:buClrTx/>
+              <a:buFontTx/>
+              <a:buNone/>
+            </a:pPr>
+            <a:endParaRPr lang="en-US" altLang="en-US" sz="100" b="1" dirty="0">
+              <a:solidFill>
+                <a:srgbClr val="0D0D0D"/>
+              </a:solidFill>
+              <a:latin typeface="Bookman Old Style" panose="02050604050505020204" pitchFamily="18" charset="0"/>
+              <a:cs typeface="Times New Roman" panose="02020603050405020304" pitchFamily="18" charset="0"/>
+            </a:endParaRPr>
+          </a:p>
+          <a:p>
+            <a:pPr algn="ctr" eaLnBrk="1" hangingPunct="1">
+              <a:lnSpc>
+                <a:spcPct val="150000"/>
+              </a:lnSpc>
+              <a:spcBef>
+                <a:spcPts val="1200"/>
+              </a:spcBef>
+              <a:spcAft>
+                <a:spcPts val="1200"/>
+              </a:spcAft>
+              <a:buClrTx/>
+              <a:buFontTx/>
+              <a:buNone/>
+            </a:pPr>
+            <a:endParaRPr lang="en-US" altLang="en-US" sz="100" b="1" dirty="0">
+              <a:solidFill>
+                <a:srgbClr val="0D0D0D"/>
+              </a:solidFill>
+              <a:latin typeface="Bookman Old Style" panose="02050604050505020204" pitchFamily="18" charset="0"/>
+              <a:cs typeface="Times New Roman" panose="02020603050405020304" pitchFamily="18" charset="0"/>
+            </a:endParaRPr>
+          </a:p>
+          <a:p>
+            <a:pPr algn="ctr" eaLnBrk="1" hangingPunct="1">
+              <a:lnSpc>
+                <a:spcPct val="150000"/>
+              </a:lnSpc>
+              <a:spcBef>
+                <a:spcPts val="1200"/>
+              </a:spcBef>
+              <a:spcAft>
+                <a:spcPts val="1200"/>
+              </a:spcAft>
+              <a:buClrTx/>
+              <a:buFontTx/>
+              <a:buNone/>
+            </a:pPr>
+            <a:endParaRPr lang="en-US" altLang="en-US" sz="100" b="1" dirty="0">
+              <a:solidFill>
+                <a:srgbClr val="0D0D0D"/>
+              </a:solidFill>
+              <a:latin typeface="Bookman Old Style" panose="02050604050505020204" pitchFamily="18" charset="0"/>
+              <a:cs typeface="Times New Roman" panose="02020603050405020304" pitchFamily="18" charset="0"/>
+            </a:endParaRPr>
+          </a:p>
+          <a:p>
+            <a:pPr algn="ctr" eaLnBrk="1" hangingPunct="1">
+              <a:lnSpc>
+                <a:spcPct val="150000"/>
+              </a:lnSpc>
+              <a:spcBef>
+                <a:spcPts val="1200"/>
+              </a:spcBef>
+              <a:spcAft>
+                <a:spcPts val="1200"/>
+              </a:spcAft>
+              <a:buClrTx/>
+              <a:buFontTx/>
+              <a:buNone/>
+            </a:pPr>
+            <a:endParaRPr lang="en-US" altLang="en-US" sz="100" b="1" dirty="0">
+              <a:solidFill>
+                <a:srgbClr val="0D0D0D"/>
+              </a:solidFill>
+              <a:latin typeface="Bookman Old Style" panose="02050604050505020204" pitchFamily="18" charset="0"/>
+              <a:cs typeface="Times New Roman" panose="02020603050405020304" pitchFamily="18" charset="0"/>
+            </a:endParaRPr>
+          </a:p>
+          <a:p>
+            <a:pPr algn="ctr" eaLnBrk="1" hangingPunct="1">
+              <a:lnSpc>
+                <a:spcPct val="150000"/>
+              </a:lnSpc>
+              <a:spcBef>
+                <a:spcPts val="1200"/>
+              </a:spcBef>
+              <a:spcAft>
+                <a:spcPts val="1200"/>
+              </a:spcAft>
+              <a:buClrTx/>
+              <a:buFontTx/>
+              <a:buNone/>
+            </a:pPr>
+            <a:endParaRPr lang="en-US" altLang="en-US" sz="100" b="1" dirty="0">
+              <a:solidFill>
+                <a:srgbClr val="0D0D0D"/>
+              </a:solidFill>
+              <a:latin typeface="Bookman Old Style" panose="02050604050505020204" pitchFamily="18" charset="0"/>
+              <a:cs typeface="Times New Roman" panose="02020603050405020304" pitchFamily="18" charset="0"/>
+            </a:endParaRPr>
+          </a:p>
+          <a:p>
+            <a:pPr algn="ctr" eaLnBrk="1" hangingPunct="1">
+              <a:lnSpc>
+                <a:spcPct val="150000"/>
+              </a:lnSpc>
+              <a:spcBef>
+                <a:spcPts val="1200"/>
+              </a:spcBef>
+              <a:spcAft>
+                <a:spcPts val="1200"/>
+              </a:spcAft>
+              <a:buClrTx/>
+              <a:buFontTx/>
+              <a:buNone/>
+            </a:pPr>
+            <a:endParaRPr lang="en-US" altLang="en-US" sz="100" b="1" dirty="0">
+              <a:solidFill>
+                <a:srgbClr val="0D0D0D"/>
+              </a:solidFill>
               <a:latin typeface="Bookman Old Style" panose="02050604050505020204" pitchFamily="18" charset="0"/>
               <a:cs typeface="Times New Roman" panose="02020603050405020304" pitchFamily="18" charset="0"/>
             </a:endParaRPr>
@@ -6390,13 +6825,39 @@
               <a:buFontTx/>
               <a:buNone/>
             </a:pPr>
-            <a:endParaRPr lang="en-US" altLang="en-US" sz="2000" b="1" dirty="0">
-              <a:solidFill>
-                <a:srgbClr val="0D0D0D"/>
-              </a:solidFill>
-              <a:latin typeface="Bookman Old Style" panose="02050604050505020204" pitchFamily="18" charset="0"/>
-              <a:cs typeface="Times New Roman" panose="02020603050405020304" pitchFamily="18" charset="0"/>
-            </a:endParaRPr>
+            <a:r>
+              <a:rPr lang="en-US" altLang="en-US" sz="2000" b="1" dirty="0">
+                <a:solidFill>
+                  <a:srgbClr val="0D0D0D"/>
+                </a:solidFill>
+                <a:latin typeface="Bookman Old Style" panose="02050604050505020204" pitchFamily="18" charset="0"/>
+                <a:cs typeface="Times New Roman" panose="02020603050405020304" pitchFamily="18" charset="0"/>
+              </a:rPr>
+              <a:t>Conclusion</a:t>
+            </a:r>
+          </a:p>
+          <a:p>
+            <a:pPr algn="just" eaLnBrk="1" hangingPunct="1">
+              <a:lnSpc>
+                <a:spcPct val="125000"/>
+              </a:lnSpc>
+              <a:spcBef>
+                <a:spcPct val="0"/>
+              </a:spcBef>
+              <a:buClrTx/>
+              <a:buFontTx/>
+              <a:buNone/>
+            </a:pPr>
+            <a:r>
+              <a:rPr lang="en-US" altLang="en-US" sz="1600" dirty="0">
+                <a:solidFill>
+                  <a:srgbClr val="0D0D0D"/>
+                </a:solidFill>
+                <a:latin typeface="Bookman Old Style" panose="02050604050505020204" pitchFamily="18" charset="0"/>
+                <a:cs typeface="Times New Roman" panose="02020603050405020304" pitchFamily="18" charset="0"/>
+              </a:rPr>
+              <a:t>The JARVIS project created a versatile virtual assistant with advanced language processing, OS integration, and a camera module. It shows that building an efficient assistant for diverse commands is possible. Future improvements could focus on usability, more features, and better performance, making it a valuable tool for various tasks.</a:t>
+            </a:r>
           </a:p>
           <a:p>
             <a:pPr algn="ctr" eaLnBrk="1" hangingPunct="1">
@@ -6413,144 +6874,6 @@
               <a:buFontTx/>
               <a:buNone/>
             </a:pPr>
-            <a:endParaRPr lang="en-US" altLang="en-US" sz="2000" b="1" dirty="0">
-              <a:solidFill>
-                <a:srgbClr val="0D0D0D"/>
-              </a:solidFill>
-              <a:latin typeface="Bookman Old Style" panose="02050604050505020204" pitchFamily="18" charset="0"/>
-              <a:cs typeface="Times New Roman" panose="02020603050405020304" pitchFamily="18" charset="0"/>
-            </a:endParaRPr>
-          </a:p>
-          <a:p>
-            <a:pPr algn="ctr" eaLnBrk="1" hangingPunct="1">
-              <a:lnSpc>
-                <a:spcPct val="150000"/>
-              </a:lnSpc>
-              <a:spcBef>
-                <a:spcPts val="1200"/>
-              </a:spcBef>
-              <a:spcAft>
-                <a:spcPts val="1200"/>
-              </a:spcAft>
-              <a:buClrTx/>
-              <a:buFontTx/>
-              <a:buNone/>
-            </a:pPr>
-            <a:endParaRPr lang="en-US" altLang="en-US" sz="2000" b="1" dirty="0">
-              <a:solidFill>
-                <a:srgbClr val="0D0D0D"/>
-              </a:solidFill>
-              <a:latin typeface="Bookman Old Style" panose="02050604050505020204" pitchFamily="18" charset="0"/>
-              <a:cs typeface="Times New Roman" panose="02020603050405020304" pitchFamily="18" charset="0"/>
-            </a:endParaRPr>
-          </a:p>
-          <a:p>
-            <a:pPr algn="ctr" eaLnBrk="1" hangingPunct="1">
-              <a:lnSpc>
-                <a:spcPct val="150000"/>
-              </a:lnSpc>
-              <a:spcBef>
-                <a:spcPts val="1200"/>
-              </a:spcBef>
-              <a:spcAft>
-                <a:spcPts val="1200"/>
-              </a:spcAft>
-              <a:buClrTx/>
-              <a:buFontTx/>
-              <a:buNone/>
-            </a:pPr>
-            <a:endParaRPr lang="en-US" altLang="en-US" sz="2000" b="1" dirty="0">
-              <a:solidFill>
-                <a:srgbClr val="0D0D0D"/>
-              </a:solidFill>
-              <a:latin typeface="Bookman Old Style" panose="02050604050505020204" pitchFamily="18" charset="0"/>
-              <a:cs typeface="Times New Roman" panose="02020603050405020304" pitchFamily="18" charset="0"/>
-            </a:endParaRPr>
-          </a:p>
-          <a:p>
-            <a:pPr algn="ctr" eaLnBrk="1" hangingPunct="1">
-              <a:lnSpc>
-                <a:spcPct val="150000"/>
-              </a:lnSpc>
-              <a:spcBef>
-                <a:spcPts val="1200"/>
-              </a:spcBef>
-              <a:spcAft>
-                <a:spcPts val="1200"/>
-              </a:spcAft>
-              <a:buClrTx/>
-              <a:buFontTx/>
-              <a:buNone/>
-            </a:pPr>
-            <a:endParaRPr lang="en-US" altLang="en-US" sz="2000" b="1" dirty="0">
-              <a:solidFill>
-                <a:srgbClr val="0D0D0D"/>
-              </a:solidFill>
-              <a:latin typeface="Bookman Old Style" panose="02050604050505020204" pitchFamily="18" charset="0"/>
-              <a:cs typeface="Times New Roman" panose="02020603050405020304" pitchFamily="18" charset="0"/>
-            </a:endParaRPr>
-          </a:p>
-          <a:p>
-            <a:pPr algn="ctr" eaLnBrk="1" hangingPunct="1">
-              <a:lnSpc>
-                <a:spcPct val="150000"/>
-              </a:lnSpc>
-              <a:spcBef>
-                <a:spcPts val="1200"/>
-              </a:spcBef>
-              <a:spcAft>
-                <a:spcPts val="1200"/>
-              </a:spcAft>
-              <a:buClrTx/>
-              <a:buFontTx/>
-              <a:buNone/>
-            </a:pPr>
-            <a:endParaRPr lang="en-US" altLang="en-US" sz="2000" b="1" dirty="0">
-              <a:solidFill>
-                <a:srgbClr val="0D0D0D"/>
-              </a:solidFill>
-              <a:latin typeface="Bookman Old Style" panose="02050604050505020204" pitchFamily="18" charset="0"/>
-              <a:cs typeface="Times New Roman" panose="02020603050405020304" pitchFamily="18" charset="0"/>
-            </a:endParaRPr>
-          </a:p>
-          <a:p>
-            <a:pPr algn="ctr" eaLnBrk="1" hangingPunct="1">
-              <a:lnSpc>
-                <a:spcPct val="150000"/>
-              </a:lnSpc>
-              <a:spcBef>
-                <a:spcPts val="1200"/>
-              </a:spcBef>
-              <a:spcAft>
-                <a:spcPts val="1200"/>
-              </a:spcAft>
-              <a:buClrTx/>
-              <a:buFontTx/>
-              <a:buNone/>
-            </a:pPr>
-            <a:endParaRPr lang="en-US" altLang="en-US" sz="2000" b="1" dirty="0">
-              <a:solidFill>
-                <a:srgbClr val="0D0D0D"/>
-              </a:solidFill>
-              <a:latin typeface="Bookman Old Style" panose="02050604050505020204" pitchFamily="18" charset="0"/>
-              <a:cs typeface="Times New Roman" panose="02020603050405020304" pitchFamily="18" charset="0"/>
-            </a:endParaRPr>
-          </a:p>
-          <a:p>
-            <a:pPr algn="ctr" eaLnBrk="1" hangingPunct="1">
-              <a:lnSpc>
-                <a:spcPct val="150000"/>
-              </a:lnSpc>
-              <a:spcBef>
-                <a:spcPts val="1200"/>
-              </a:spcBef>
-              <a:spcAft>
-                <a:spcPts val="1200"/>
-              </a:spcAft>
-              <a:buClrTx/>
-              <a:buFontTx/>
-              <a:buNone/>
-            </a:pPr>
             <a:r>
               <a:rPr lang="en-US" altLang="en-US" sz="2000" b="1" dirty="0">
                 <a:solidFill>
@@ -6559,210 +6882,7 @@
                 <a:latin typeface="Bookman Old Style" panose="02050604050505020204" pitchFamily="18" charset="0"/>
                 <a:cs typeface="Times New Roman" panose="02020603050405020304" pitchFamily="18" charset="0"/>
               </a:rPr>
-              <a:t>Results</a:t>
-            </a:r>
-          </a:p>
-          <a:p>
-            <a:pPr>
-              <a:spcBef>
-                <a:spcPts val="100"/>
-              </a:spcBef>
-            </a:pPr>
-            <a:r>
-              <a:rPr lang="en-IN" sz="1600" b="1" dirty="0">
-                <a:latin typeface="Bookman Old Style" panose="02050604050505020204" pitchFamily="18" charset="0"/>
-              </a:rPr>
-              <a:t>- Camera Integration:</a:t>
-            </a:r>
-            <a:r>
-              <a:rPr lang="en-IN" sz="1600" dirty="0">
-                <a:latin typeface="Bookman Old Style" panose="02050604050505020204" pitchFamily="18" charset="0"/>
-              </a:rPr>
-              <a:t> </a:t>
-            </a:r>
-          </a:p>
-          <a:p>
-            <a:pPr marL="457200" lvl="1" indent="0">
-              <a:spcBef>
-                <a:spcPts val="100"/>
-              </a:spcBef>
-            </a:pPr>
-            <a:r>
-              <a:rPr lang="en-IN" sz="1600" dirty="0">
-                <a:latin typeface="Bookman Old Style" panose="02050604050505020204" pitchFamily="18" charset="0"/>
-              </a:rPr>
-              <a:t>enables visual input capture upon voice command.</a:t>
-            </a:r>
-          </a:p>
-          <a:p>
-            <a:pPr>
-              <a:spcBef>
-                <a:spcPts val="100"/>
-              </a:spcBef>
-            </a:pPr>
-            <a:r>
-              <a:rPr lang="en-IN" sz="1600" b="1" dirty="0">
-                <a:latin typeface="Bookman Old Style" panose="02050604050505020204" pitchFamily="18" charset="0"/>
-              </a:rPr>
-              <a:t>- Messaging Platform Integration (e.g., WhatsApp):</a:t>
-            </a:r>
-            <a:r>
-              <a:rPr lang="en-IN" sz="1600" dirty="0">
-                <a:latin typeface="Bookman Old Style" panose="02050604050505020204" pitchFamily="18" charset="0"/>
-              </a:rPr>
-              <a:t> </a:t>
-            </a:r>
-          </a:p>
-          <a:p>
-            <a:pPr marL="457200" lvl="1" indent="0">
-              <a:spcBef>
-                <a:spcPts val="100"/>
-              </a:spcBef>
-            </a:pPr>
-            <a:r>
-              <a:rPr lang="en-IN" sz="1600" dirty="0">
-                <a:latin typeface="Bookman Old Style" panose="02050604050505020204" pitchFamily="18" charset="0"/>
-              </a:rPr>
-              <a:t>Voice-enabled message composition and sending.</a:t>
-            </a:r>
-          </a:p>
-          <a:p>
-            <a:pPr>
-              <a:spcBef>
-                <a:spcPts val="100"/>
-              </a:spcBef>
-            </a:pPr>
-            <a:r>
-              <a:rPr lang="en-IN" sz="1600" b="1" dirty="0">
-                <a:latin typeface="Bookman Old Style" panose="02050604050505020204" pitchFamily="18" charset="0"/>
-              </a:rPr>
-              <a:t>- Technical Implications:</a:t>
-            </a:r>
-            <a:endParaRPr lang="en-IN" sz="1600" dirty="0">
-              <a:latin typeface="Bookman Old Style" panose="02050604050505020204" pitchFamily="18" charset="0"/>
-            </a:endParaRPr>
-          </a:p>
-          <a:p>
-            <a:pPr>
-              <a:spcBef>
-                <a:spcPts val="100"/>
-              </a:spcBef>
-            </a:pPr>
-            <a:r>
-              <a:rPr lang="en-IN" sz="1600" b="1" dirty="0">
-                <a:latin typeface="Bookman Old Style" panose="02050604050505020204" pitchFamily="18" charset="0"/>
-              </a:rPr>
-              <a:t>- Computer Vision Integration:</a:t>
-            </a:r>
-            <a:r>
-              <a:rPr lang="en-IN" sz="1600" dirty="0">
-                <a:latin typeface="Bookman Old Style" panose="02050604050505020204" pitchFamily="18" charset="0"/>
-              </a:rPr>
-              <a:t> </a:t>
-            </a:r>
-          </a:p>
-          <a:p>
-            <a:pPr marL="457200" lvl="1" indent="0">
-              <a:spcBef>
-                <a:spcPts val="100"/>
-              </a:spcBef>
-            </a:pPr>
-            <a:r>
-              <a:rPr lang="en-IN" sz="1600" dirty="0">
-                <a:latin typeface="Bookman Old Style" panose="02050604050505020204" pitchFamily="18" charset="0"/>
-              </a:rPr>
-              <a:t>Interface camera module for image capture.</a:t>
-            </a:r>
-          </a:p>
-          <a:p>
-            <a:pPr marL="457200" lvl="1" indent="0">
-              <a:spcBef>
-                <a:spcPts val="100"/>
-              </a:spcBef>
-            </a:pPr>
-            <a:r>
-              <a:rPr lang="en-IN" sz="1600" dirty="0">
-                <a:latin typeface="Bookman Old Style" panose="02050604050505020204" pitchFamily="18" charset="0"/>
-              </a:rPr>
-              <a:t>Potential for object recognition or scene understanding.</a:t>
-            </a:r>
-          </a:p>
-          <a:p>
-            <a:pPr>
-              <a:spcBef>
-                <a:spcPts val="100"/>
-              </a:spcBef>
-            </a:pPr>
-            <a:r>
-              <a:rPr lang="en-IN" sz="1600" b="1" dirty="0">
-                <a:latin typeface="Bookman Old Style" panose="02050604050505020204" pitchFamily="18" charset="0"/>
-              </a:rPr>
-              <a:t>- Messaging API Integration:</a:t>
-            </a:r>
-            <a:r>
-              <a:rPr lang="en-IN" sz="1600" dirty="0">
-                <a:latin typeface="Bookman Old Style" panose="02050604050505020204" pitchFamily="18" charset="0"/>
-              </a:rPr>
-              <a:t> </a:t>
-            </a:r>
-          </a:p>
-          <a:p>
-            <a:pPr marL="457200" lvl="1" indent="0">
-              <a:spcBef>
-                <a:spcPts val="100"/>
-              </a:spcBef>
-            </a:pPr>
-            <a:r>
-              <a:rPr lang="en-IN" sz="1600" dirty="0">
-                <a:latin typeface="Bookman Old Style" panose="02050604050505020204" pitchFamily="18" charset="0"/>
-              </a:rPr>
-              <a:t>Secure communication with messaging platform for message delivery.</a:t>
-            </a:r>
-          </a:p>
-          <a:p>
-            <a:pPr marL="457200" lvl="1" indent="0">
-              <a:spcBef>
-                <a:spcPts val="100"/>
-              </a:spcBef>
-            </a:pPr>
-            <a:r>
-              <a:rPr lang="en-IN" sz="1600" dirty="0">
-                <a:latin typeface="Bookman Old Style" panose="02050604050505020204" pitchFamily="18" charset="0"/>
-              </a:rPr>
-              <a:t>User authentication and authorization handling.</a:t>
-            </a:r>
-            <a:endParaRPr lang="en-US" altLang="en-US" sz="2800" b="1" dirty="0">
-              <a:solidFill>
-                <a:srgbClr val="0D0D0D"/>
-              </a:solidFill>
-              <a:latin typeface="Bookman Old Style" panose="02050604050505020204" pitchFamily="18" charset="0"/>
-              <a:cs typeface="Times New Roman" panose="02020603050405020304" pitchFamily="18" charset="0"/>
-            </a:endParaRPr>
-          </a:p>
-          <a:p>
-            <a:pPr algn="ctr" eaLnBrk="1" hangingPunct="1">
-              <a:lnSpc>
-                <a:spcPct val="150000"/>
-              </a:lnSpc>
-              <a:spcBef>
-                <a:spcPts val="1200"/>
-              </a:spcBef>
-              <a:spcAft>
-                <a:spcPts val="1200"/>
-              </a:spcAft>
-              <a:buClrTx/>
-              <a:buFontTx/>
-              <a:buNone/>
-            </a:pPr>
-            <a:r>
-              <a:rPr lang="en-US" altLang="en-US" sz="2000" b="1" dirty="0">
-                <a:solidFill>
-                  <a:srgbClr val="0D0D0D"/>
-                </a:solidFill>
-                <a:latin typeface="Bookman Old Style" panose="02050604050505020204" pitchFamily="18" charset="0"/>
-                <a:cs typeface="Times New Roman" panose="02020603050405020304" pitchFamily="18" charset="0"/>
-              </a:rPr>
-              <a:t>Conclusion</a:t>
+              <a:t>References</a:t>
             </a:r>
           </a:p>
           <a:p>
@@ -6785,56 +6905,7 @@
                 <a:latin typeface="Bookman Old Style" panose="02050604050505020204" pitchFamily="18" charset="0"/>
                 <a:cs typeface="Times New Roman" panose="02020603050405020304" pitchFamily="18" charset="0"/>
               </a:rPr>
-              <a:t>The JARVIS project created a versatile virtual assistant with advanced language processing, OS integration, and a camera module. It shows that building an efficient assistant for diverse commands is possible. Future improvements could focus on usability, more features, and better performance, making it a valuable tool for various tasks.</a:t>
-            </a:r>
-          </a:p>
-          <a:p>
-            <a:pPr algn="ctr" eaLnBrk="1" hangingPunct="1">
-              <a:lnSpc>
-                <a:spcPct val="150000"/>
-              </a:lnSpc>
-              <a:spcBef>
-                <a:spcPts val="1200"/>
-              </a:spcBef>
-              <a:spcAft>
-                <a:spcPts val="1200"/>
-              </a:spcAft>
-              <a:buClrTx/>
-              <a:buFontTx/>
-              <a:buNone/>
-            </a:pPr>
-            <a:r>
-              <a:rPr lang="en-US" altLang="en-US" sz="2000" b="1" dirty="0">
-                <a:solidFill>
-                  <a:srgbClr val="0D0D0D"/>
-                </a:solidFill>
-                <a:latin typeface="Bookman Old Style" panose="02050604050505020204" pitchFamily="18" charset="0"/>
-                <a:cs typeface="Times New Roman" panose="02020603050405020304" pitchFamily="18" charset="0"/>
-              </a:rPr>
-              <a:t>References</a:t>
-            </a:r>
-          </a:p>
-          <a:p>
-            <a:pPr algn="just" eaLnBrk="1" hangingPunct="1">
-              <a:lnSpc>
-                <a:spcPct val="125000"/>
-              </a:lnSpc>
-              <a:spcBef>
-                <a:spcPct val="0"/>
-              </a:spcBef>
-              <a:buClrTx/>
-              <a:buFontTx/>
-              <a:buNone/>
-            </a:pPr>
-            <a:r>
-              <a:rPr lang="en-US" altLang="en-US" sz="1600" dirty="0">
-                <a:solidFill>
-                  <a:srgbClr val="0D0D0D"/>
-                </a:solidFill>
-                <a:latin typeface="Bookman Old Style" panose="02050604050505020204" pitchFamily="18" charset="0"/>
-                <a:cs typeface="Times New Roman" panose="02020603050405020304" pitchFamily="18" charset="0"/>
-              </a:rPr>
-              <a:t> 1. Smith, J., &amp; Johnson, R. (2022). "Advancements in Virtual Assistant Technology." Journal of Technology and Innovation, 15(2), 45-60.</a:t>
+              <a:t> 1. Smith, J., &amp; Johnson, R. (2022). "Advancements in Virtual Assistant Technology."</a:t>
             </a:r>
           </a:p>
           <a:p>
@@ -6877,28 +6948,8 @@
                 <a:latin typeface="Bookman Old Style" panose="02050604050505020204" pitchFamily="18" charset="0"/>
                 <a:cs typeface="Times New Roman" panose="02020603050405020304" pitchFamily="18" charset="0"/>
               </a:rPr>
-              <a:t>2. Brown, A., &amp; Williams, C. (2021). "Integrating APIs for Enhanced Virtual Assistant Functionality." Proceedings of the International Conference on Artificial Intelligence, 78-84.</a:t>
-            </a:r>
-          </a:p>
-          <a:p>
-            <a:pPr algn="just" eaLnBrk="1" hangingPunct="1">
-              <a:lnSpc>
-                <a:spcPct val="125000"/>
-              </a:lnSpc>
-              <a:spcBef>
-                <a:spcPct val="0"/>
-              </a:spcBef>
-              <a:buClrTx/>
-              <a:buFontTx/>
-              <a:buNone/>
-            </a:pPr>
-            <a:endParaRPr lang="en-US" altLang="en-US" sz="1600" dirty="0">
-              <a:solidFill>
-                <a:srgbClr val="0D0D0D"/>
-              </a:solidFill>
-              <a:latin typeface="Bookman Old Style" panose="02050604050505020204" pitchFamily="18" charset="0"/>
-              <a:cs typeface="Times New Roman" panose="02020603050405020304" pitchFamily="18" charset="0"/>
-            </a:endParaRPr>
+              <a:t>2. Brown, A., &amp; Williams, C. (2021). "Integrating APIs for Enhanced Virtual Assistant Functionality."</a:t>
+            </a:r>
           </a:p>
           <a:p>
             <a:pPr eaLnBrk="1" hangingPunct="1">
@@ -7582,10 +7633,10 @@
       </p:pic>
       <p:pic>
         <p:nvPicPr>
-          <p:cNvPr id="4" name="Picture 3">
+          <p:cNvPr id="5" name="Picture 4">
             <a:extLst>
               <a:ext uri="{FF2B5EF4-FFF2-40B4-BE49-F238E27FC236}">
-                <a16:creationId xmlns:a16="http://schemas.microsoft.com/office/drawing/2014/main" id="{1E177FBD-6A25-4DAD-6DDB-EFD5552246D6}"/>
+                <a16:creationId xmlns:a16="http://schemas.microsoft.com/office/drawing/2014/main" id="{EEBEE1DC-AEBB-878D-74A1-5F52355598A0}"/>
               </a:ext>
             </a:extLst>
           </p:cNvPr>
@@ -7608,8 +7659,8 @@
         </p:blipFill>
         <p:spPr>
           <a:xfrm>
-            <a:off x="793304" y="18085873"/>
-            <a:ext cx="5314399" cy="3123127"/>
+            <a:off x="505272" y="18471058"/>
+            <a:ext cx="6113355" cy="2623847"/>
           </a:xfrm>
           <a:prstGeom prst="rect">
             <a:avLst/>
@@ -7618,10 +7669,10 @@
       </p:pic>
       <p:pic>
         <p:nvPicPr>
-          <p:cNvPr id="3" name="Picture 2">
+          <p:cNvPr id="7" name="Picture 6">
             <a:extLst>
               <a:ext uri="{FF2B5EF4-FFF2-40B4-BE49-F238E27FC236}">
-                <a16:creationId xmlns:a16="http://schemas.microsoft.com/office/drawing/2014/main" id="{361CA864-74F3-DEF7-71B4-20821AC553D8}"/>
+                <a16:creationId xmlns:a16="http://schemas.microsoft.com/office/drawing/2014/main" id="{B9439933-2750-D89E-3BDB-8DD50FC517B8}"/>
               </a:ext>
             </a:extLst>
           </p:cNvPr>
@@ -7644,8 +7695,8 @@
         </p:blipFill>
         <p:spPr>
           <a:xfrm>
-            <a:off x="8098705" y="5221586"/>
-            <a:ext cx="6192689" cy="6803783"/>
+            <a:off x="7402835" y="11558290"/>
+            <a:ext cx="7344816" cy="4129784"/>
           </a:xfrm>
           <a:prstGeom prst="rect">
             <a:avLst/>
